--- a/pptx/進捗状況(第8スプリント).pptx
+++ b/pptx/進捗状況(第8スプリント).pptx
@@ -8,10 +8,11 @@
     <p:sldId id="256" r:id="rId2"/>
     <p:sldId id="258" r:id="rId3"/>
     <p:sldId id="257" r:id="rId4"/>
-    <p:sldId id="259" r:id="rId5"/>
-    <p:sldId id="260" r:id="rId6"/>
-    <p:sldId id="262" r:id="rId7"/>
-    <p:sldId id="261" r:id="rId8"/>
+    <p:sldId id="263" r:id="rId5"/>
+    <p:sldId id="259" r:id="rId6"/>
+    <p:sldId id="260" r:id="rId7"/>
+    <p:sldId id="262" r:id="rId8"/>
+    <p:sldId id="261" r:id="rId9"/>
   </p:sldIdLst>
   <p:sldSz cx="12192000" cy="6858000"/>
   <p:notesSz cx="6858000" cy="9144000"/>
@@ -110,6 +111,11 @@
       </a:defRPr>
     </a:lvl9pPr>
   </p:defaultTextStyle>
+  <p:extLst>
+    <p:ext uri="{EFAFB233-063F-42B5-8137-9DF3F51BA10A}">
+      <p15:sldGuideLst xmlns:p15="http://schemas.microsoft.com/office/powerpoint/2012/main"/>
+    </p:ext>
+  </p:extLst>
 </p:presentation>
 </file>
 
@@ -260,7 +266,7 @@
           <a:p>
             <a:fld id="{C62907AB-E00B-4F65-AD64-E249F89C1660}" type="datetimeFigureOut">
               <a:rPr kumimoji="1" lang="ja-JP" altLang="en-US" smtClean="0"/>
-              <a:t>2021/10/27</a:t>
+              <a:t>2021/10/29</a:t>
             </a:fld>
             <a:endParaRPr kumimoji="1" lang="ja-JP" altLang="en-US"/>
           </a:p>
@@ -490,7 +496,7 @@
           <a:p>
             <a:fld id="{C62907AB-E00B-4F65-AD64-E249F89C1660}" type="datetimeFigureOut">
               <a:rPr kumimoji="1" lang="ja-JP" altLang="en-US" smtClean="0"/>
-              <a:t>2021/10/27</a:t>
+              <a:t>2021/10/29</a:t>
             </a:fld>
             <a:endParaRPr kumimoji="1" lang="ja-JP" altLang="en-US"/>
           </a:p>
@@ -730,7 +736,7 @@
           <a:p>
             <a:fld id="{C62907AB-E00B-4F65-AD64-E249F89C1660}" type="datetimeFigureOut">
               <a:rPr kumimoji="1" lang="ja-JP" altLang="en-US" smtClean="0"/>
-              <a:t>2021/10/27</a:t>
+              <a:t>2021/10/29</a:t>
             </a:fld>
             <a:endParaRPr kumimoji="1" lang="ja-JP" altLang="en-US"/>
           </a:p>
@@ -960,7 +966,7 @@
           <a:p>
             <a:fld id="{C62907AB-E00B-4F65-AD64-E249F89C1660}" type="datetimeFigureOut">
               <a:rPr kumimoji="1" lang="ja-JP" altLang="en-US" smtClean="0"/>
-              <a:t>2021/10/27</a:t>
+              <a:t>2021/10/29</a:t>
             </a:fld>
             <a:endParaRPr kumimoji="1" lang="ja-JP" altLang="en-US"/>
           </a:p>
@@ -1235,7 +1241,7 @@
           <a:p>
             <a:fld id="{C62907AB-E00B-4F65-AD64-E249F89C1660}" type="datetimeFigureOut">
               <a:rPr kumimoji="1" lang="ja-JP" altLang="en-US" smtClean="0"/>
-              <a:t>2021/10/27</a:t>
+              <a:t>2021/10/29</a:t>
             </a:fld>
             <a:endParaRPr kumimoji="1" lang="ja-JP" altLang="en-US"/>
           </a:p>
@@ -1564,7 +1570,7 @@
           <a:p>
             <a:fld id="{C62907AB-E00B-4F65-AD64-E249F89C1660}" type="datetimeFigureOut">
               <a:rPr kumimoji="1" lang="ja-JP" altLang="en-US" smtClean="0"/>
-              <a:t>2021/10/27</a:t>
+              <a:t>2021/10/29</a:t>
             </a:fld>
             <a:endParaRPr kumimoji="1" lang="ja-JP" altLang="en-US"/>
           </a:p>
@@ -2040,7 +2046,7 @@
           <a:p>
             <a:fld id="{C62907AB-E00B-4F65-AD64-E249F89C1660}" type="datetimeFigureOut">
               <a:rPr kumimoji="1" lang="ja-JP" altLang="en-US" smtClean="0"/>
-              <a:t>2021/10/27</a:t>
+              <a:t>2021/10/29</a:t>
             </a:fld>
             <a:endParaRPr kumimoji="1" lang="ja-JP" altLang="en-US"/>
           </a:p>
@@ -2181,7 +2187,7 @@
           <a:p>
             <a:fld id="{C62907AB-E00B-4F65-AD64-E249F89C1660}" type="datetimeFigureOut">
               <a:rPr kumimoji="1" lang="ja-JP" altLang="en-US" smtClean="0"/>
-              <a:t>2021/10/27</a:t>
+              <a:t>2021/10/29</a:t>
             </a:fld>
             <a:endParaRPr kumimoji="1" lang="ja-JP" altLang="en-US"/>
           </a:p>
@@ -2294,7 +2300,7 @@
           <a:p>
             <a:fld id="{C62907AB-E00B-4F65-AD64-E249F89C1660}" type="datetimeFigureOut">
               <a:rPr kumimoji="1" lang="ja-JP" altLang="en-US" smtClean="0"/>
-              <a:t>2021/10/27</a:t>
+              <a:t>2021/10/29</a:t>
             </a:fld>
             <a:endParaRPr kumimoji="1" lang="ja-JP" altLang="en-US"/>
           </a:p>
@@ -2637,7 +2643,7 @@
           <a:p>
             <a:fld id="{C62907AB-E00B-4F65-AD64-E249F89C1660}" type="datetimeFigureOut">
               <a:rPr kumimoji="1" lang="ja-JP" altLang="en-US" smtClean="0"/>
-              <a:t>2021/10/27</a:t>
+              <a:t>2021/10/29</a:t>
             </a:fld>
             <a:endParaRPr kumimoji="1" lang="ja-JP" altLang="en-US"/>
           </a:p>
@@ -2925,7 +2931,7 @@
           <a:p>
             <a:fld id="{C62907AB-E00B-4F65-AD64-E249F89C1660}" type="datetimeFigureOut">
               <a:rPr kumimoji="1" lang="ja-JP" altLang="en-US" smtClean="0"/>
-              <a:t>2021/10/27</a:t>
+              <a:t>2021/10/29</a:t>
             </a:fld>
             <a:endParaRPr kumimoji="1" lang="ja-JP" altLang="en-US"/>
           </a:p>
@@ -3198,7 +3204,7 @@
           <a:p>
             <a:fld id="{C62907AB-E00B-4F65-AD64-E249F89C1660}" type="datetimeFigureOut">
               <a:rPr kumimoji="1" lang="ja-JP" altLang="en-US" smtClean="0"/>
-              <a:t>2021/10/27</a:t>
+              <a:t>2021/10/29</a:t>
             </a:fld>
             <a:endParaRPr kumimoji="1" lang="ja-JP" altLang="en-US"/>
           </a:p>
@@ -3986,6 +3992,133 @@
           <p:cNvPr id="2" name="タイトル 1">
             <a:extLst>
               <a:ext uri="{FF2B5EF4-FFF2-40B4-BE49-F238E27FC236}">
+                <a16:creationId xmlns:a16="http://schemas.microsoft.com/office/drawing/2014/main" id="{3BF74295-85FD-436A-8D30-C8E4D07AAACB}"/>
+              </a:ext>
+            </a:extLst>
+          </p:cNvPr>
+          <p:cNvSpPr>
+            <a:spLocks noGrp="1"/>
+          </p:cNvSpPr>
+          <p:nvPr>
+            <p:ph type="title"/>
+          </p:nvPr>
+        </p:nvSpPr>
+        <p:spPr/>
+        <p:txBody>
+          <a:bodyPr/>
+          <a:lstStyle/>
+          <a:p>
+            <a:r>
+              <a:rPr kumimoji="1" lang="en-US" altLang="ja-JP" dirty="0"/>
+              <a:t>Web</a:t>
+            </a:r>
+            <a:r>
+              <a:rPr lang="ja-JP" altLang="en-US" dirty="0"/>
+              <a:t>ページの作成</a:t>
+            </a:r>
+            <a:endParaRPr kumimoji="1" lang="ja-JP" altLang="en-US" dirty="0"/>
+          </a:p>
+        </p:txBody>
+      </p:sp>
+      <p:sp>
+        <p:nvSpPr>
+          <p:cNvPr id="3" name="コンテンツ プレースホルダー 2">
+            <a:extLst>
+              <a:ext uri="{FF2B5EF4-FFF2-40B4-BE49-F238E27FC236}">
+                <a16:creationId xmlns:a16="http://schemas.microsoft.com/office/drawing/2014/main" id="{C25E94E6-6DCC-45E0-A95A-8E66D85F2F9C}"/>
+              </a:ext>
+            </a:extLst>
+          </p:cNvPr>
+          <p:cNvSpPr>
+            <a:spLocks noGrp="1"/>
+          </p:cNvSpPr>
+          <p:nvPr>
+            <p:ph idx="1"/>
+          </p:nvPr>
+        </p:nvSpPr>
+        <p:spPr/>
+        <p:txBody>
+          <a:bodyPr/>
+          <a:lstStyle/>
+          <a:p>
+            <a:r>
+              <a:rPr kumimoji="1" lang="ja-JP" altLang="en-US" dirty="0"/>
+              <a:t>実際に作ったページ</a:t>
+            </a:r>
+          </a:p>
+        </p:txBody>
+      </p:sp>
+      <p:pic>
+        <p:nvPicPr>
+          <p:cNvPr id="6" name="図 5">
+            <a:extLst>
+              <a:ext uri="{FF2B5EF4-FFF2-40B4-BE49-F238E27FC236}">
+                <a16:creationId xmlns:a16="http://schemas.microsoft.com/office/drawing/2014/main" id="{88A92560-C2FE-429F-BE7B-2E5D6AC6489C}"/>
+              </a:ext>
+            </a:extLst>
+          </p:cNvPr>
+          <p:cNvPicPr>
+            <a:picLocks noChangeAspect="1"/>
+          </p:cNvPicPr>
+          <p:nvPr/>
+        </p:nvPicPr>
+        <p:blipFill>
+          <a:blip r:embed="rId2">
+            <a:extLst>
+              <a:ext uri="{28A0092B-C50C-407E-A947-70E740481C1C}">
+                <a14:useLocalDpi xmlns:a14="http://schemas.microsoft.com/office/drawing/2010/main" val="0"/>
+              </a:ext>
+            </a:extLst>
+          </a:blip>
+          <a:stretch>
+            <a:fillRect/>
+          </a:stretch>
+        </p:blipFill>
+        <p:spPr>
+          <a:xfrm>
+            <a:off x="2419350" y="2356644"/>
+            <a:ext cx="7353300" cy="4136231"/>
+          </a:xfrm>
+          <a:prstGeom prst="rect">
+            <a:avLst/>
+          </a:prstGeom>
+        </p:spPr>
+      </p:pic>
+    </p:spTree>
+    <p:extLst>
+      <p:ext uri="{BB962C8B-B14F-4D97-AF65-F5344CB8AC3E}">
+        <p14:creationId xmlns:p14="http://schemas.microsoft.com/office/powerpoint/2010/main" val="1140895698"/>
+      </p:ext>
+    </p:extLst>
+  </p:cSld>
+  <p:clrMapOvr>
+    <a:masterClrMapping/>
+  </p:clrMapOvr>
+</p:sld>
+</file>
+
+<file path=ppt/slides/slide5.xml><?xml version="1.0" encoding="utf-8"?>
+<p:sld xmlns:a="http://schemas.openxmlformats.org/drawingml/2006/main" xmlns:r="http://schemas.openxmlformats.org/officeDocument/2006/relationships" xmlns:p="http://schemas.openxmlformats.org/presentationml/2006/main">
+  <p:cSld>
+    <p:spTree>
+      <p:nvGrpSpPr>
+        <p:cNvPr id="1" name=""/>
+        <p:cNvGrpSpPr/>
+        <p:nvPr/>
+      </p:nvGrpSpPr>
+      <p:grpSpPr>
+        <a:xfrm>
+          <a:off x="0" y="0"/>
+          <a:ext cx="0" cy="0"/>
+          <a:chOff x="0" y="0"/>
+          <a:chExt cx="0" cy="0"/>
+        </a:xfrm>
+      </p:grpSpPr>
+      <p:sp>
+        <p:nvSpPr>
+          <p:cNvPr id="2" name="タイトル 1">
+            <a:extLst>
+              <a:ext uri="{FF2B5EF4-FFF2-40B4-BE49-F238E27FC236}">
                 <a16:creationId xmlns:a16="http://schemas.microsoft.com/office/drawing/2014/main" id="{40CE5958-4953-4A5B-A1F0-53C4F0C0C7FB}"/>
               </a:ext>
             </a:extLst>
@@ -4091,7 +4224,7 @@
 </p:sld>
 </file>
 
-<file path=ppt/slides/slide5.xml><?xml version="1.0" encoding="utf-8"?>
+<file path=ppt/slides/slide6.xml><?xml version="1.0" encoding="utf-8"?>
 <p:sld xmlns:a="http://schemas.openxmlformats.org/drawingml/2006/main" xmlns:r="http://schemas.openxmlformats.org/officeDocument/2006/relationships" xmlns:p="http://schemas.openxmlformats.org/presentationml/2006/main">
   <p:cSld>
     <p:spTree>
@@ -4184,7 +4317,7 @@
 </p:sld>
 </file>
 
-<file path=ppt/slides/slide6.xml><?xml version="1.0" encoding="utf-8"?>
+<file path=ppt/slides/slide7.xml><?xml version="1.0" encoding="utf-8"?>
 <p:sld xmlns:a="http://schemas.openxmlformats.org/drawingml/2006/main" xmlns:r="http://schemas.openxmlformats.org/officeDocument/2006/relationships" xmlns:p="http://schemas.openxmlformats.org/presentationml/2006/main">
   <p:cSld>
     <p:spTree>
@@ -4277,7 +4410,7 @@
 </p:sld>
 </file>
 
-<file path=ppt/slides/slide7.xml><?xml version="1.0" encoding="utf-8"?>
+<file path=ppt/slides/slide8.xml><?xml version="1.0" encoding="utf-8"?>
 <p:sld xmlns:a="http://schemas.openxmlformats.org/drawingml/2006/main" xmlns:r="http://schemas.openxmlformats.org/officeDocument/2006/relationships" xmlns:p="http://schemas.openxmlformats.org/presentationml/2006/main">
   <p:cSld>
     <p:spTree>
